--- a/Präsentation_Pizza.pptx
+++ b/Präsentation_Pizza.pptx
@@ -49,7 +49,7 @@
         <p:txBody>
           <a:bodyPr/>
           <a:p>
-            <a:fld id="{9ED06C2E-C03E-437E-8954-D6A08AC03DD3}" type="slidenum">
+            <a:fld id="{F938FF54-2E19-4130-88F6-F1B750F16D4D}" type="slidenum">
               <a:t>&lt;#&gt;</a:t>
             </a:fld>
           </a:p>
@@ -89,8 +89,8 @@
         </p:nvSpPr>
         <p:spPr>
           <a:xfrm>
-            <a:off x="311760" y="418320"/>
-            <a:ext cx="8519760" cy="625320"/>
+            <a:off x="457200" y="205200"/>
+            <a:ext cx="8229240" cy="858600"/>
           </a:xfrm>
           <a:prstGeom prst="rect">
             <a:avLst/>
@@ -126,8 +126,8 @@
         </p:nvSpPr>
         <p:spPr>
           <a:xfrm>
-            <a:off x="311760" y="1152360"/>
-            <a:ext cx="8519760" cy="1629000"/>
+            <a:off x="457200" y="1203480"/>
+            <a:ext cx="8229240" cy="1422720"/>
           </a:xfrm>
           <a:prstGeom prst="rect">
             <a:avLst/>
@@ -160,8 +160,8 @@
         </p:nvSpPr>
         <p:spPr>
           <a:xfrm>
-            <a:off x="311760" y="2936520"/>
-            <a:ext cx="8519760" cy="1629000"/>
+            <a:off x="457200" y="2761920"/>
+            <a:ext cx="8229240" cy="1422720"/>
           </a:xfrm>
           <a:prstGeom prst="rect">
             <a:avLst/>
@@ -196,7 +196,7 @@
         <p:txBody>
           <a:bodyPr/>
           <a:p>
-            <a:fld id="{8C23E594-D1CA-438A-8E5B-C9A12EC044E3}" type="slidenum">
+            <a:fld id="{BA60FE0B-6C15-4CEE-A087-C2707194BF58}" type="slidenum">
               <a:t>&lt;#&gt;</a:t>
             </a:fld>
           </a:p>
@@ -236,8 +236,8 @@
         </p:nvSpPr>
         <p:spPr>
           <a:xfrm>
-            <a:off x="311760" y="418320"/>
-            <a:ext cx="8519760" cy="625320"/>
+            <a:off x="457200" y="205200"/>
+            <a:ext cx="8229240" cy="858600"/>
           </a:xfrm>
           <a:prstGeom prst="rect">
             <a:avLst/>
@@ -273,8 +273,8 @@
         </p:nvSpPr>
         <p:spPr>
           <a:xfrm>
-            <a:off x="311760" y="1152360"/>
-            <a:ext cx="4157280" cy="1629000"/>
+            <a:off x="457200" y="1203480"/>
+            <a:ext cx="4015800" cy="1422720"/>
           </a:xfrm>
           <a:prstGeom prst="rect">
             <a:avLst/>
@@ -307,8 +307,8 @@
         </p:nvSpPr>
         <p:spPr>
           <a:xfrm>
-            <a:off x="4677120" y="1152360"/>
-            <a:ext cx="4157280" cy="1629000"/>
+            <a:off x="4674240" y="1203480"/>
+            <a:ext cx="4015800" cy="1422720"/>
           </a:xfrm>
           <a:prstGeom prst="rect">
             <a:avLst/>
@@ -341,8 +341,8 @@
         </p:nvSpPr>
         <p:spPr>
           <a:xfrm>
-            <a:off x="311760" y="2936520"/>
-            <a:ext cx="4157280" cy="1629000"/>
+            <a:off x="457200" y="2761920"/>
+            <a:ext cx="4015800" cy="1422720"/>
           </a:xfrm>
           <a:prstGeom prst="rect">
             <a:avLst/>
@@ -375,8 +375,8 @@
         </p:nvSpPr>
         <p:spPr>
           <a:xfrm>
-            <a:off x="4677120" y="2936520"/>
-            <a:ext cx="4157280" cy="1629000"/>
+            <a:off x="4674240" y="2761920"/>
+            <a:ext cx="4015800" cy="1422720"/>
           </a:xfrm>
           <a:prstGeom prst="rect">
             <a:avLst/>
@@ -411,7 +411,7 @@
         <p:txBody>
           <a:bodyPr/>
           <a:p>
-            <a:fld id="{54526FEB-1FA1-4536-A563-07B892283433}" type="slidenum">
+            <a:fld id="{2EAB033C-CA74-4083-9FEC-8A8BD8CAE955}" type="slidenum">
               <a:t>&lt;#&gt;</a:t>
             </a:fld>
           </a:p>
@@ -451,8 +451,8 @@
         </p:nvSpPr>
         <p:spPr>
           <a:xfrm>
-            <a:off x="311760" y="418320"/>
-            <a:ext cx="8519760" cy="625320"/>
+            <a:off x="457200" y="205200"/>
+            <a:ext cx="8229240" cy="858600"/>
           </a:xfrm>
           <a:prstGeom prst="rect">
             <a:avLst/>
@@ -488,8 +488,8 @@
         </p:nvSpPr>
         <p:spPr>
           <a:xfrm>
-            <a:off x="311760" y="1152360"/>
-            <a:ext cx="2743200" cy="1629000"/>
+            <a:off x="457200" y="1203480"/>
+            <a:ext cx="2649600" cy="1422720"/>
           </a:xfrm>
           <a:prstGeom prst="rect">
             <a:avLst/>
@@ -522,8 +522,8 @@
         </p:nvSpPr>
         <p:spPr>
           <a:xfrm>
-            <a:off x="3192480" y="1152360"/>
-            <a:ext cx="2743200" cy="1629000"/>
+            <a:off x="3239640" y="1203480"/>
+            <a:ext cx="2649600" cy="1422720"/>
           </a:xfrm>
           <a:prstGeom prst="rect">
             <a:avLst/>
@@ -556,8 +556,8 @@
         </p:nvSpPr>
         <p:spPr>
           <a:xfrm>
-            <a:off x="6073200" y="1152360"/>
-            <a:ext cx="2743200" cy="1629000"/>
+            <a:off x="6022080" y="1203480"/>
+            <a:ext cx="2649600" cy="1422720"/>
           </a:xfrm>
           <a:prstGeom prst="rect">
             <a:avLst/>
@@ -590,8 +590,8 @@
         </p:nvSpPr>
         <p:spPr>
           <a:xfrm>
-            <a:off x="311760" y="2936520"/>
-            <a:ext cx="2743200" cy="1629000"/>
+            <a:off x="457200" y="2761920"/>
+            <a:ext cx="2649600" cy="1422720"/>
           </a:xfrm>
           <a:prstGeom prst="rect">
             <a:avLst/>
@@ -624,8 +624,8 @@
         </p:nvSpPr>
         <p:spPr>
           <a:xfrm>
-            <a:off x="3192480" y="2936520"/>
-            <a:ext cx="2743200" cy="1629000"/>
+            <a:off x="3239640" y="2761920"/>
+            <a:ext cx="2649600" cy="1422720"/>
           </a:xfrm>
           <a:prstGeom prst="rect">
             <a:avLst/>
@@ -658,8 +658,8 @@
         </p:nvSpPr>
         <p:spPr>
           <a:xfrm>
-            <a:off x="6073200" y="2936520"/>
-            <a:ext cx="2743200" cy="1629000"/>
+            <a:off x="6022080" y="2761920"/>
+            <a:ext cx="2649600" cy="1422720"/>
           </a:xfrm>
           <a:prstGeom prst="rect">
             <a:avLst/>
@@ -694,7 +694,7 @@
         <p:txBody>
           <a:bodyPr/>
           <a:p>
-            <a:fld id="{1B480E1C-27DF-47C8-8A4B-B3D3A3216A3C}" type="slidenum">
+            <a:fld id="{26E33241-D73C-4A66-A71F-F8233277198A}" type="slidenum">
               <a:t>&lt;#&gt;</a:t>
             </a:fld>
           </a:p>
@@ -734,8 +734,8 @@
         </p:nvSpPr>
         <p:spPr>
           <a:xfrm>
-            <a:off x="311760" y="418320"/>
-            <a:ext cx="8519760" cy="625320"/>
+            <a:off x="457200" y="205200"/>
+            <a:ext cx="8229240" cy="858600"/>
           </a:xfrm>
           <a:prstGeom prst="rect">
             <a:avLst/>
@@ -771,8 +771,8 @@
         </p:nvSpPr>
         <p:spPr>
           <a:xfrm>
-            <a:off x="311760" y="1152360"/>
-            <a:ext cx="8519760" cy="3415680"/>
+            <a:off x="457200" y="1203480"/>
+            <a:ext cx="8229240" cy="2982960"/>
           </a:xfrm>
           <a:prstGeom prst="rect">
             <a:avLst/>
@@ -810,7 +810,7 @@
         <p:txBody>
           <a:bodyPr/>
           <a:p>
-            <a:fld id="{C192EA1D-1431-4C0D-82A7-BE74660A9B24}" type="slidenum">
+            <a:fld id="{0CBDD25E-8E8F-48DC-8532-4D95CCFA8C78}" type="slidenum">
               <a:t>&lt;#&gt;</a:t>
             </a:fld>
           </a:p>
@@ -850,8 +850,8 @@
         </p:nvSpPr>
         <p:spPr>
           <a:xfrm>
-            <a:off x="311760" y="418320"/>
-            <a:ext cx="8519760" cy="625320"/>
+            <a:off x="457200" y="205200"/>
+            <a:ext cx="8229240" cy="858600"/>
           </a:xfrm>
           <a:prstGeom prst="rect">
             <a:avLst/>
@@ -887,8 +887,8 @@
         </p:nvSpPr>
         <p:spPr>
           <a:xfrm>
-            <a:off x="311760" y="1152360"/>
-            <a:ext cx="8519760" cy="3415680"/>
+            <a:off x="457200" y="1203480"/>
+            <a:ext cx="8229240" cy="2982960"/>
           </a:xfrm>
           <a:prstGeom prst="rect">
             <a:avLst/>
@@ -923,7 +923,7 @@
         <p:txBody>
           <a:bodyPr/>
           <a:p>
-            <a:fld id="{69FD4386-3F73-4EEF-B80A-B9F70BB7BA8E}" type="slidenum">
+            <a:fld id="{3EE6760D-003F-47AE-9340-36EF818D154C}" type="slidenum">
               <a:t>&lt;#&gt;</a:t>
             </a:fld>
           </a:p>
@@ -963,8 +963,8 @@
         </p:nvSpPr>
         <p:spPr>
           <a:xfrm>
-            <a:off x="311760" y="418320"/>
-            <a:ext cx="8519760" cy="625320"/>
+            <a:off x="457200" y="205200"/>
+            <a:ext cx="8229240" cy="858600"/>
           </a:xfrm>
           <a:prstGeom prst="rect">
             <a:avLst/>
@@ -1000,8 +1000,8 @@
         </p:nvSpPr>
         <p:spPr>
           <a:xfrm>
-            <a:off x="311760" y="1152360"/>
-            <a:ext cx="4157280" cy="3415680"/>
+            <a:off x="457200" y="1203480"/>
+            <a:ext cx="4015800" cy="2982960"/>
           </a:xfrm>
           <a:prstGeom prst="rect">
             <a:avLst/>
@@ -1034,8 +1034,8 @@
         </p:nvSpPr>
         <p:spPr>
           <a:xfrm>
-            <a:off x="4677120" y="1152360"/>
-            <a:ext cx="4157280" cy="3415680"/>
+            <a:off x="4674240" y="1203480"/>
+            <a:ext cx="4015800" cy="2982960"/>
           </a:xfrm>
           <a:prstGeom prst="rect">
             <a:avLst/>
@@ -1070,7 +1070,7 @@
         <p:txBody>
           <a:bodyPr/>
           <a:p>
-            <a:fld id="{23BBEFD2-6A80-4378-8C19-63BF79D72260}" type="slidenum">
+            <a:fld id="{95CA9310-0417-4BD1-BE83-A597DA626A3B}" type="slidenum">
               <a:t>&lt;#&gt;</a:t>
             </a:fld>
           </a:p>
@@ -1110,8 +1110,8 @@
         </p:nvSpPr>
         <p:spPr>
           <a:xfrm>
-            <a:off x="311760" y="418320"/>
-            <a:ext cx="8519760" cy="625320"/>
+            <a:off x="457200" y="205200"/>
+            <a:ext cx="8229240" cy="858600"/>
           </a:xfrm>
           <a:prstGeom prst="rect">
             <a:avLst/>
@@ -1149,7 +1149,7 @@
         <p:txBody>
           <a:bodyPr/>
           <a:p>
-            <a:fld id="{F26088E3-6C51-41D1-865D-0C5D8E715B11}" type="slidenum">
+            <a:fld id="{E3C6ABCA-2C7F-43FE-BEB9-1A9E6DAE109D}" type="slidenum">
               <a:t>&lt;#&gt;</a:t>
             </a:fld>
           </a:p>
@@ -1189,8 +1189,8 @@
         </p:nvSpPr>
         <p:spPr>
           <a:xfrm>
-            <a:off x="311760" y="444960"/>
-            <a:ext cx="8519760" cy="2652840"/>
+            <a:off x="457200" y="205200"/>
+            <a:ext cx="8229240" cy="3981240"/>
           </a:xfrm>
           <a:prstGeom prst="rect">
             <a:avLst/>
@@ -1228,7 +1228,7 @@
         <p:txBody>
           <a:bodyPr/>
           <a:p>
-            <a:fld id="{9A1FA4A7-620D-4856-BA84-D379B51D67BA}" type="slidenum">
+            <a:fld id="{24508CD1-79AA-46BE-8AD6-34DCE71B0E1D}" type="slidenum">
               <a:t>&lt;#&gt;</a:t>
             </a:fld>
           </a:p>
@@ -1268,8 +1268,8 @@
         </p:nvSpPr>
         <p:spPr>
           <a:xfrm>
-            <a:off x="311760" y="418320"/>
-            <a:ext cx="8519760" cy="625320"/>
+            <a:off x="457200" y="205200"/>
+            <a:ext cx="8229240" cy="858600"/>
           </a:xfrm>
           <a:prstGeom prst="rect">
             <a:avLst/>
@@ -1305,8 +1305,8 @@
         </p:nvSpPr>
         <p:spPr>
           <a:xfrm>
-            <a:off x="311760" y="1152360"/>
-            <a:ext cx="4157280" cy="1629000"/>
+            <a:off x="457200" y="1203480"/>
+            <a:ext cx="4015800" cy="1422720"/>
           </a:xfrm>
           <a:prstGeom prst="rect">
             <a:avLst/>
@@ -1339,8 +1339,8 @@
         </p:nvSpPr>
         <p:spPr>
           <a:xfrm>
-            <a:off x="4677120" y="1152360"/>
-            <a:ext cx="4157280" cy="3415680"/>
+            <a:off x="4674240" y="1203480"/>
+            <a:ext cx="4015800" cy="2982960"/>
           </a:xfrm>
           <a:prstGeom prst="rect">
             <a:avLst/>
@@ -1373,8 +1373,8 @@
         </p:nvSpPr>
         <p:spPr>
           <a:xfrm>
-            <a:off x="311760" y="2936520"/>
-            <a:ext cx="4157280" cy="1629000"/>
+            <a:off x="457200" y="2761920"/>
+            <a:ext cx="4015800" cy="1422720"/>
           </a:xfrm>
           <a:prstGeom prst="rect">
             <a:avLst/>
@@ -1409,7 +1409,7 @@
         <p:txBody>
           <a:bodyPr/>
           <a:p>
-            <a:fld id="{3754D60B-1A6C-495B-B0BB-044DA5C92B0F}" type="slidenum">
+            <a:fld id="{5340636E-0E20-4799-90DE-90D82AD42A54}" type="slidenum">
               <a:t>&lt;#&gt;</a:t>
             </a:fld>
           </a:p>
@@ -1449,8 +1449,8 @@
         </p:nvSpPr>
         <p:spPr>
           <a:xfrm>
-            <a:off x="311760" y="418320"/>
-            <a:ext cx="8519760" cy="625320"/>
+            <a:off x="457200" y="205200"/>
+            <a:ext cx="8229240" cy="858600"/>
           </a:xfrm>
           <a:prstGeom prst="rect">
             <a:avLst/>
@@ -1486,8 +1486,8 @@
         </p:nvSpPr>
         <p:spPr>
           <a:xfrm>
-            <a:off x="311760" y="1152360"/>
-            <a:ext cx="4157280" cy="3415680"/>
+            <a:off x="457200" y="1203480"/>
+            <a:ext cx="4015800" cy="2982960"/>
           </a:xfrm>
           <a:prstGeom prst="rect">
             <a:avLst/>
@@ -1520,8 +1520,8 @@
         </p:nvSpPr>
         <p:spPr>
           <a:xfrm>
-            <a:off x="4677120" y="1152360"/>
-            <a:ext cx="4157280" cy="1629000"/>
+            <a:off x="4674240" y="1203480"/>
+            <a:ext cx="4015800" cy="1422720"/>
           </a:xfrm>
           <a:prstGeom prst="rect">
             <a:avLst/>
@@ -1554,8 +1554,8 @@
         </p:nvSpPr>
         <p:spPr>
           <a:xfrm>
-            <a:off x="4677120" y="2936520"/>
-            <a:ext cx="4157280" cy="1629000"/>
+            <a:off x="4674240" y="2761920"/>
+            <a:ext cx="4015800" cy="1422720"/>
           </a:xfrm>
           <a:prstGeom prst="rect">
             <a:avLst/>
@@ -1590,7 +1590,7 @@
         <p:txBody>
           <a:bodyPr/>
           <a:p>
-            <a:fld id="{10F0DC8A-D4CC-4E27-AF61-44D59FB161B4}" type="slidenum">
+            <a:fld id="{FCDD69CC-54AF-4F90-98C3-E2EB102DB2F1}" type="slidenum">
               <a:t>&lt;#&gt;</a:t>
             </a:fld>
           </a:p>
@@ -1630,8 +1630,8 @@
         </p:nvSpPr>
         <p:spPr>
           <a:xfrm>
-            <a:off x="311760" y="418320"/>
-            <a:ext cx="8519760" cy="625320"/>
+            <a:off x="457200" y="205200"/>
+            <a:ext cx="8229240" cy="858600"/>
           </a:xfrm>
           <a:prstGeom prst="rect">
             <a:avLst/>
@@ -1667,8 +1667,8 @@
         </p:nvSpPr>
         <p:spPr>
           <a:xfrm>
-            <a:off x="311760" y="1152360"/>
-            <a:ext cx="4157280" cy="1629000"/>
+            <a:off x="457200" y="1203480"/>
+            <a:ext cx="4015800" cy="1422720"/>
           </a:xfrm>
           <a:prstGeom prst="rect">
             <a:avLst/>
@@ -1701,8 +1701,8 @@
         </p:nvSpPr>
         <p:spPr>
           <a:xfrm>
-            <a:off x="4677120" y="1152360"/>
-            <a:ext cx="4157280" cy="1629000"/>
+            <a:off x="4674240" y="1203480"/>
+            <a:ext cx="4015800" cy="1422720"/>
           </a:xfrm>
           <a:prstGeom prst="rect">
             <a:avLst/>
@@ -1735,8 +1735,8 @@
         </p:nvSpPr>
         <p:spPr>
           <a:xfrm>
-            <a:off x="311760" y="2936520"/>
-            <a:ext cx="8519760" cy="1629000"/>
+            <a:off x="457200" y="2761920"/>
+            <a:ext cx="8229240" cy="1422720"/>
           </a:xfrm>
           <a:prstGeom prst="rect">
             <a:avLst/>
@@ -1771,7 +1771,7 @@
         <p:txBody>
           <a:bodyPr/>
           <a:p>
-            <a:fld id="{EC52EFB2-1025-44C4-8457-E42799FC284F}" type="slidenum">
+            <a:fld id="{EA266DCB-D901-4D2F-8F46-F1918C746CE7}" type="slidenum">
               <a:t>&lt;#&gt;</a:t>
             </a:fld>
           </a:p>
@@ -1813,242 +1813,13 @@
             <a:spLocks noGrp="1"/>
           </p:cNvSpPr>
           <p:nvPr>
-            <p:ph type="title"/>
-          </p:nvPr>
-        </p:nvSpPr>
-        <p:spPr>
-          <a:xfrm>
-            <a:off x="311760" y="444960"/>
-            <a:ext cx="8519760" cy="572040"/>
-          </a:xfrm>
-          <a:prstGeom prst="rect">
-            <a:avLst/>
-          </a:prstGeom>
-          <a:noFill/>
-          <a:ln w="0">
-            <a:noFill/>
-          </a:ln>
-        </p:spPr>
-        <p:txBody>
-          <a:bodyPr lIns="0" rIns="0" tIns="0" bIns="0" anchor="ctr">
-            <a:noAutofit/>
-          </a:bodyPr>
-          <a:p>
-            <a:r>
-              <a:rPr b="0" lang="en-US" sz="1800" spc="-1" strike="noStrike">
-                <a:latin typeface="Arial"/>
-              </a:rPr>
-              <a:t>Click to edit the title text </a:t>
-            </a:r>
-            <a:r>
-              <a:rPr b="0" lang="en-US" sz="1800" spc="-1" strike="noStrike">
-                <a:latin typeface="Arial"/>
-              </a:rPr>
-              <a:t>format</a:t>
-            </a:r>
-            <a:endParaRPr b="0" lang="en-US" sz="1800" spc="-1" strike="noStrike">
-              <a:latin typeface="Arial"/>
-            </a:endParaRPr>
-          </a:p>
-        </p:txBody>
-      </p:sp>
-      <p:sp>
-        <p:nvSpPr>
-          <p:cNvPr id="1" name="PlaceHolder 2"/>
-          <p:cNvSpPr>
-            <a:spLocks noGrp="1"/>
-          </p:cNvSpPr>
-          <p:nvPr>
-            <p:ph type="body"/>
-          </p:nvPr>
-        </p:nvSpPr>
-        <p:spPr>
-          <a:xfrm>
-            <a:off x="311760" y="1152360"/>
-            <a:ext cx="8519760" cy="3415680"/>
-          </a:xfrm>
-          <a:prstGeom prst="rect">
-            <a:avLst/>
-          </a:prstGeom>
-          <a:noFill/>
-          <a:ln w="0">
-            <a:noFill/>
-          </a:ln>
-        </p:spPr>
-        <p:txBody>
-          <a:bodyPr lIns="0" rIns="0" tIns="0" bIns="0" anchor="t">
-            <a:normAutofit/>
-          </a:bodyPr>
-          <a:p>
-            <a:pPr marL="432000" indent="-324000">
-              <a:spcBef>
-                <a:spcPts val="1417"/>
-              </a:spcBef>
-              <a:buClr>
-                <a:srgbClr val="000000"/>
-              </a:buClr>
-              <a:buSzPct val="45000"/>
-              <a:buFont typeface="Wingdings" charset="2"/>
-              <a:buChar char=""/>
-            </a:pPr>
-            <a:r>
-              <a:rPr b="0" lang="en-US" sz="1800" spc="-1" strike="noStrike">
-                <a:latin typeface="Arial"/>
-              </a:rPr>
-              <a:t>Click to edit the outline text format</a:t>
-            </a:r>
-            <a:endParaRPr b="0" lang="en-US" sz="1800" spc="-1" strike="noStrike">
-              <a:latin typeface="Arial"/>
-            </a:endParaRPr>
-          </a:p>
-          <a:p>
-            <a:pPr lvl="1" marL="864000" indent="-324000">
-              <a:spcBef>
-                <a:spcPts val="1134"/>
-              </a:spcBef>
-              <a:buClr>
-                <a:srgbClr val="000000"/>
-              </a:buClr>
-              <a:buSzPct val="75000"/>
-              <a:buFont typeface="Symbol" charset="2"/>
-              <a:buChar char=""/>
-            </a:pPr>
-            <a:r>
-              <a:rPr b="0" lang="en-US" sz="1800" spc="-1" strike="noStrike">
-                <a:latin typeface="Arial"/>
-              </a:rPr>
-              <a:t>Second Outline Level</a:t>
-            </a:r>
-            <a:endParaRPr b="0" lang="en-US" sz="1800" spc="-1" strike="noStrike">
-              <a:latin typeface="Arial"/>
-            </a:endParaRPr>
-          </a:p>
-          <a:p>
-            <a:pPr lvl="2" marL="1296000" indent="-288000">
-              <a:spcBef>
-                <a:spcPts val="850"/>
-              </a:spcBef>
-              <a:buClr>
-                <a:srgbClr val="000000"/>
-              </a:buClr>
-              <a:buSzPct val="45000"/>
-              <a:buFont typeface="Wingdings" charset="2"/>
-              <a:buChar char=""/>
-            </a:pPr>
-            <a:r>
-              <a:rPr b="0" lang="en-US" sz="1800" spc="-1" strike="noStrike">
-                <a:latin typeface="Arial"/>
-              </a:rPr>
-              <a:t>Third Outline Level</a:t>
-            </a:r>
-            <a:endParaRPr b="0" lang="en-US" sz="1800" spc="-1" strike="noStrike">
-              <a:latin typeface="Arial"/>
-            </a:endParaRPr>
-          </a:p>
-          <a:p>
-            <a:pPr lvl="3" marL="1728000" indent="-216000">
-              <a:spcBef>
-                <a:spcPts val="567"/>
-              </a:spcBef>
-              <a:buClr>
-                <a:srgbClr val="000000"/>
-              </a:buClr>
-              <a:buSzPct val="75000"/>
-              <a:buFont typeface="Symbol" charset="2"/>
-              <a:buChar char=""/>
-            </a:pPr>
-            <a:r>
-              <a:rPr b="0" lang="en-US" sz="1800" spc="-1" strike="noStrike">
-                <a:latin typeface="Arial"/>
-              </a:rPr>
-              <a:t>Fourth Outline Level</a:t>
-            </a:r>
-            <a:endParaRPr b="0" lang="en-US" sz="1800" spc="-1" strike="noStrike">
-              <a:latin typeface="Arial"/>
-            </a:endParaRPr>
-          </a:p>
-          <a:p>
-            <a:pPr lvl="4" marL="2160000" indent="-216000">
-              <a:spcBef>
-                <a:spcPts val="283"/>
-              </a:spcBef>
-              <a:buClr>
-                <a:srgbClr val="000000"/>
-              </a:buClr>
-              <a:buSzPct val="45000"/>
-              <a:buFont typeface="Wingdings" charset="2"/>
-              <a:buChar char=""/>
-            </a:pPr>
-            <a:r>
-              <a:rPr b="0" lang="en-US" sz="1800" spc="-1" strike="noStrike">
-                <a:latin typeface="Arial"/>
-              </a:rPr>
-              <a:t>Fifth Outline Level</a:t>
-            </a:r>
-            <a:endParaRPr b="0" lang="en-US" sz="1800" spc="-1" strike="noStrike">
-              <a:latin typeface="Arial"/>
-            </a:endParaRPr>
-          </a:p>
-          <a:p>
-            <a:pPr lvl="5" marL="2592000" indent="-216000">
-              <a:spcBef>
-                <a:spcPts val="283"/>
-              </a:spcBef>
-              <a:buClr>
-                <a:srgbClr val="000000"/>
-              </a:buClr>
-              <a:buSzPct val="45000"/>
-              <a:buFont typeface="Wingdings" charset="2"/>
-              <a:buChar char=""/>
-            </a:pPr>
-            <a:r>
-              <a:rPr b="0" lang="en-US" sz="1800" spc="-1" strike="noStrike">
-                <a:latin typeface="Arial"/>
-              </a:rPr>
-              <a:t>Sixth Outline Level</a:t>
-            </a:r>
-            <a:endParaRPr b="0" lang="en-US" sz="1800" spc="-1" strike="noStrike">
-              <a:latin typeface="Arial"/>
-            </a:endParaRPr>
-          </a:p>
-          <a:p>
-            <a:pPr lvl="6" marL="3024000" indent="-216000">
-              <a:spcBef>
-                <a:spcPts val="283"/>
-              </a:spcBef>
-              <a:buClr>
-                <a:srgbClr val="000000"/>
-              </a:buClr>
-              <a:buSzPct val="45000"/>
-              <a:buFont typeface="Wingdings" charset="2"/>
-              <a:buChar char=""/>
-            </a:pPr>
-            <a:r>
-              <a:rPr b="0" lang="en-US" sz="1800" spc="-1" strike="noStrike">
-                <a:latin typeface="Arial"/>
-              </a:rPr>
-              <a:t>Seventh Outline Level</a:t>
-            </a:r>
-            <a:endParaRPr b="0" lang="en-US" sz="1800" spc="-1" strike="noStrike">
-              <a:latin typeface="Arial"/>
-            </a:endParaRPr>
-          </a:p>
-        </p:txBody>
-      </p:sp>
-      <p:sp>
-        <p:nvSpPr>
-          <p:cNvPr id="2" name="PlaceHolder 3"/>
-          <p:cNvSpPr>
-            <a:spLocks noGrp="1"/>
-          </p:cNvSpPr>
-          <p:nvPr>
             <p:ph type="sldNum" idx="1"/>
           </p:nvPr>
         </p:nvSpPr>
         <p:spPr>
           <a:xfrm>
             <a:off x="8472600" y="4663080"/>
-            <a:ext cx="547920" cy="392760"/>
+            <a:ext cx="547560" cy="392400"/>
           </a:xfrm>
           <a:prstGeom prst="rect">
             <a:avLst/>
@@ -2090,7 +1861,7 @@
                 <a:tab algn="l" pos="0"/>
               </a:tabLst>
             </a:pPr>
-            <a:fld id="{B0A62FF9-7222-40DE-9405-54CB91B7A5CA}" type="slidenum">
+            <a:fld id="{7C748576-26E0-49F1-BDF5-F979426636AD}" type="slidenum">
               <a:rPr b="0" lang="en-GB" sz="1000" spc="-1" strike="noStrike">
                 <a:solidFill>
                   <a:srgbClr val="595959"/>
@@ -2102,6 +1873,232 @@
             </a:fld>
             <a:endParaRPr b="0" lang="en-US" sz="1000" spc="-1" strike="noStrike">
               <a:latin typeface="Times New Roman"/>
+            </a:endParaRPr>
+          </a:p>
+        </p:txBody>
+      </p:sp>
+      <p:sp>
+        <p:nvSpPr>
+          <p:cNvPr id="1" name="PlaceHolder 2"/>
+          <p:cNvSpPr>
+            <a:spLocks noGrp="1"/>
+          </p:cNvSpPr>
+          <p:nvPr>
+            <p:ph type="title"/>
+          </p:nvPr>
+        </p:nvSpPr>
+        <p:spPr>
+          <a:xfrm>
+            <a:off x="457200" y="205200"/>
+            <a:ext cx="8229240" cy="858600"/>
+          </a:xfrm>
+          <a:prstGeom prst="rect">
+            <a:avLst/>
+          </a:prstGeom>
+          <a:noFill/>
+          <a:ln w="0">
+            <a:noFill/>
+          </a:ln>
+        </p:spPr>
+        <p:txBody>
+          <a:bodyPr lIns="0" rIns="0" tIns="0" bIns="0" anchor="ctr">
+            <a:noAutofit/>
+          </a:bodyPr>
+          <a:p>
+            <a:pPr algn="ctr">
+              <a:buNone/>
+            </a:pPr>
+            <a:r>
+              <a:rPr b="0" lang="en-US" sz="4400" spc="-1" strike="noStrike">
+                <a:latin typeface="Arial"/>
+              </a:rPr>
+              <a:t>Click to edit the title text format</a:t>
+            </a:r>
+            <a:endParaRPr b="0" lang="en-US" sz="4400" spc="-1" strike="noStrike">
+              <a:latin typeface="Arial"/>
+            </a:endParaRPr>
+          </a:p>
+        </p:txBody>
+      </p:sp>
+      <p:sp>
+        <p:nvSpPr>
+          <p:cNvPr id="2" name="PlaceHolder 3"/>
+          <p:cNvSpPr>
+            <a:spLocks noGrp="1"/>
+          </p:cNvSpPr>
+          <p:nvPr>
+            <p:ph type="body"/>
+          </p:nvPr>
+        </p:nvSpPr>
+        <p:spPr>
+          <a:xfrm>
+            <a:off x="457200" y="1203480"/>
+            <a:ext cx="8229240" cy="2982960"/>
+          </a:xfrm>
+          <a:prstGeom prst="rect">
+            <a:avLst/>
+          </a:prstGeom>
+          <a:noFill/>
+          <a:ln w="0">
+            <a:noFill/>
+          </a:ln>
+        </p:spPr>
+        <p:txBody>
+          <a:bodyPr lIns="0" rIns="0" tIns="0" bIns="0" anchor="t">
+            <a:normAutofit/>
+          </a:bodyPr>
+          <a:p>
+            <a:pPr marL="432000" indent="-324000">
+              <a:spcBef>
+                <a:spcPts val="1417"/>
+              </a:spcBef>
+              <a:buClr>
+                <a:srgbClr val="000000"/>
+              </a:buClr>
+              <a:buSzPct val="45000"/>
+              <a:buFont typeface="Wingdings" charset="2"/>
+              <a:buChar char=""/>
+            </a:pPr>
+            <a:r>
+              <a:rPr b="0" lang="en-US" sz="3200" spc="-1" strike="noStrike">
+                <a:latin typeface="Arial"/>
+              </a:rPr>
+              <a:t>Click to edit the outline text format</a:t>
+            </a:r>
+            <a:endParaRPr b="0" lang="en-US" sz="3200" spc="-1" strike="noStrike">
+              <a:latin typeface="Arial"/>
+            </a:endParaRPr>
+          </a:p>
+          <a:p>
+            <a:pPr lvl="1" marL="864000" indent="-324000">
+              <a:spcBef>
+                <a:spcPts val="1134"/>
+              </a:spcBef>
+              <a:buClr>
+                <a:srgbClr val="000000"/>
+              </a:buClr>
+              <a:buSzPct val="75000"/>
+              <a:buFont typeface="Symbol" charset="2"/>
+              <a:buChar char=""/>
+            </a:pPr>
+            <a:r>
+              <a:rPr b="0" lang="en-US" sz="2800" spc="-1" strike="noStrike">
+                <a:latin typeface="Arial"/>
+              </a:rPr>
+              <a:t>Second Outline Level</a:t>
+            </a:r>
+            <a:endParaRPr b="0" lang="en-US" sz="2800" spc="-1" strike="noStrike">
+              <a:latin typeface="Arial"/>
+            </a:endParaRPr>
+          </a:p>
+          <a:p>
+            <a:pPr lvl="2" marL="1296000" indent="-288000">
+              <a:spcBef>
+                <a:spcPts val="850"/>
+              </a:spcBef>
+              <a:buClr>
+                <a:srgbClr val="000000"/>
+              </a:buClr>
+              <a:buSzPct val="45000"/>
+              <a:buFont typeface="Wingdings" charset="2"/>
+              <a:buChar char=""/>
+            </a:pPr>
+            <a:r>
+              <a:rPr b="0" lang="en-US" sz="2400" spc="-1" strike="noStrike">
+                <a:latin typeface="Arial"/>
+              </a:rPr>
+              <a:t>Third Outline Level</a:t>
+            </a:r>
+            <a:endParaRPr b="0" lang="en-US" sz="2400" spc="-1" strike="noStrike">
+              <a:latin typeface="Arial"/>
+            </a:endParaRPr>
+          </a:p>
+          <a:p>
+            <a:pPr lvl="3" marL="1728000" indent="-216000">
+              <a:spcBef>
+                <a:spcPts val="567"/>
+              </a:spcBef>
+              <a:buClr>
+                <a:srgbClr val="000000"/>
+              </a:buClr>
+              <a:buSzPct val="75000"/>
+              <a:buFont typeface="Symbol" charset="2"/>
+              <a:buChar char=""/>
+            </a:pPr>
+            <a:r>
+              <a:rPr b="0" lang="en-US" sz="2000" spc="-1" strike="noStrike">
+                <a:latin typeface="Arial"/>
+              </a:rPr>
+              <a:t>Fourth Outline Level</a:t>
+            </a:r>
+            <a:endParaRPr b="0" lang="en-US" sz="2000" spc="-1" strike="noStrike">
+              <a:latin typeface="Arial"/>
+            </a:endParaRPr>
+          </a:p>
+          <a:p>
+            <a:pPr lvl="4" marL="2160000" indent="-216000">
+              <a:spcBef>
+                <a:spcPts val="283"/>
+              </a:spcBef>
+              <a:buClr>
+                <a:srgbClr val="000000"/>
+              </a:buClr>
+              <a:buSzPct val="45000"/>
+              <a:buFont typeface="Wingdings" charset="2"/>
+              <a:buChar char=""/>
+            </a:pPr>
+            <a:r>
+              <a:rPr b="0" lang="en-US" sz="2000" spc="-1" strike="noStrike">
+                <a:latin typeface="Arial"/>
+              </a:rPr>
+              <a:t>Fifth Outline Level</a:t>
+            </a:r>
+            <a:endParaRPr b="0" lang="en-US" sz="2000" spc="-1" strike="noStrike">
+              <a:latin typeface="Arial"/>
+            </a:endParaRPr>
+          </a:p>
+          <a:p>
+            <a:pPr lvl="5" marL="2592000" indent="-216000">
+              <a:spcBef>
+                <a:spcPts val="283"/>
+              </a:spcBef>
+              <a:buClr>
+                <a:srgbClr val="000000"/>
+              </a:buClr>
+              <a:buSzPct val="45000"/>
+              <a:buFont typeface="Wingdings" charset="2"/>
+              <a:buChar char=""/>
+            </a:pPr>
+            <a:r>
+              <a:rPr b="0" lang="en-US" sz="2000" spc="-1" strike="noStrike">
+                <a:latin typeface="Arial"/>
+              </a:rPr>
+              <a:t>Sixth Outline Level</a:t>
+            </a:r>
+            <a:endParaRPr b="0" lang="en-US" sz="2000" spc="-1" strike="noStrike">
+              <a:latin typeface="Arial"/>
+            </a:endParaRPr>
+          </a:p>
+          <a:p>
+            <a:pPr lvl="6" marL="3024000" indent="-216000">
+              <a:spcBef>
+                <a:spcPts val="283"/>
+              </a:spcBef>
+              <a:buClr>
+                <a:srgbClr val="000000"/>
+              </a:buClr>
+              <a:buSzPct val="45000"/>
+              <a:buFont typeface="Wingdings" charset="2"/>
+              <a:buChar char=""/>
+            </a:pPr>
+            <a:r>
+              <a:rPr b="0" lang="en-US" sz="2000" spc="-1" strike="noStrike">
+                <a:latin typeface="Arial"/>
+              </a:rPr>
+              <a:t>Seventh Outline Level</a:t>
+            </a:r>
+            <a:endParaRPr b="0" lang="en-US" sz="2000" spc="-1" strike="noStrike">
+              <a:latin typeface="Arial"/>
             </a:endParaRPr>
           </a:p>
         </p:txBody>
@@ -2156,7 +2153,7 @@
         <p:spPr>
           <a:xfrm>
             <a:off x="311760" y="424800"/>
-            <a:ext cx="8519760" cy="572040"/>
+            <a:ext cx="8519400" cy="571680"/>
           </a:xfrm>
           <a:prstGeom prst="rect">
             <a:avLst/>
@@ -2237,7 +2234,7 @@
         <p:spPr>
           <a:xfrm>
             <a:off x="311760" y="1424880"/>
-            <a:ext cx="8230320" cy="3092040"/>
+            <a:ext cx="8229960" cy="3091680"/>
           </a:xfrm>
           <a:prstGeom prst="rect">
             <a:avLst/>
@@ -2345,7 +2342,7 @@
         <p:spPr>
           <a:xfrm>
             <a:off x="6819120" y="4388040"/>
-            <a:ext cx="2324160" cy="754560"/>
+            <a:ext cx="2323800" cy="754200"/>
           </a:xfrm>
           <a:prstGeom prst="rect">
             <a:avLst/>
@@ -2398,7 +2395,7 @@
         <p:spPr>
           <a:xfrm>
             <a:off x="167040" y="49680"/>
-            <a:ext cx="8519760" cy="4338360"/>
+            <a:ext cx="8519400" cy="4338000"/>
           </a:xfrm>
           <a:prstGeom prst="rect">
             <a:avLst/>
@@ -2545,15 +2542,11 @@
             </a:endParaRPr>
           </a:p>
           <a:p>
-            <a:pPr marL="457200" indent="-343080">
+            <a:pPr>
               <a:lnSpc>
                 <a:spcPct val="150000"/>
               </a:lnSpc>
-              <a:buClr>
-                <a:srgbClr val="595959"/>
-              </a:buClr>
-              <a:buFont typeface="Arial"/>
-              <a:buChar char="-"/>
+              <a:buNone/>
               <a:tabLst>
                 <a:tab algn="l" pos="0"/>
               </a:tabLst>
@@ -2591,7 +2584,7 @@
         <p:spPr>
           <a:xfrm>
             <a:off x="6819120" y="4388040"/>
-            <a:ext cx="2324160" cy="754560"/>
+            <a:ext cx="2323800" cy="754200"/>
           </a:xfrm>
           <a:prstGeom prst="rect">
             <a:avLst/>
@@ -2644,7 +2637,7 @@
         <p:spPr>
           <a:xfrm>
             <a:off x="174960" y="0"/>
-            <a:ext cx="8519760" cy="4338360"/>
+            <a:ext cx="8519400" cy="4338000"/>
           </a:xfrm>
           <a:prstGeom prst="rect">
             <a:avLst/>
@@ -2869,7 +2862,7 @@
         <p:spPr>
           <a:xfrm>
             <a:off x="6819120" y="4388040"/>
-            <a:ext cx="2324160" cy="754560"/>
+            <a:ext cx="2323800" cy="754200"/>
           </a:xfrm>
           <a:prstGeom prst="rect">
             <a:avLst/>
@@ -2922,7 +2915,7 @@
         <p:spPr>
           <a:xfrm>
             <a:off x="174960" y="0"/>
-            <a:ext cx="8519760" cy="4338360"/>
+            <a:ext cx="8519400" cy="4338000"/>
           </a:xfrm>
           <a:prstGeom prst="rect">
             <a:avLst/>
@@ -2988,6 +2981,34 @@
               <a:latin typeface="Arial"/>
             </a:endParaRPr>
           </a:p>
+          <a:p>
+            <a:pPr>
+              <a:lnSpc>
+                <a:spcPct val="150000"/>
+              </a:lnSpc>
+              <a:buNone/>
+              <a:tabLst>
+                <a:tab algn="l" pos="0"/>
+              </a:tabLst>
+            </a:pPr>
+            <a:endParaRPr b="0" lang="en-US" sz="1800" spc="-1" strike="noStrike">
+              <a:latin typeface="Arial"/>
+            </a:endParaRPr>
+          </a:p>
+          <a:p>
+            <a:pPr>
+              <a:lnSpc>
+                <a:spcPct val="150000"/>
+              </a:lnSpc>
+              <a:buNone/>
+              <a:tabLst>
+                <a:tab algn="l" pos="0"/>
+              </a:tabLst>
+            </a:pPr>
+            <a:endParaRPr b="0" lang="en-US" sz="1800" spc="-1" strike="noStrike">
+              <a:latin typeface="Arial"/>
+            </a:endParaRPr>
+          </a:p>
         </p:txBody>
       </p:sp>
       <p:pic>
@@ -3003,7 +3024,30 @@
         <p:spPr>
           <a:xfrm>
             <a:off x="6819120" y="4388040"/>
-            <a:ext cx="2324160" cy="754560"/>
+            <a:ext cx="2323800" cy="754200"/>
+          </a:xfrm>
+          <a:prstGeom prst="rect">
+            <a:avLst/>
+          </a:prstGeom>
+          <a:ln w="0">
+            <a:noFill/>
+          </a:ln>
+        </p:spPr>
+      </p:pic>
+      <p:pic>
+        <p:nvPicPr>
+          <p:cNvPr id="48" name="" descr=""/>
+          <p:cNvPicPr/>
+          <p:nvPr/>
+        </p:nvPicPr>
+        <p:blipFill>
+          <a:blip r:embed="rId2"/>
+          <a:stretch/>
+        </p:blipFill>
+        <p:spPr>
+          <a:xfrm>
+            <a:off x="457200" y="914400"/>
+            <a:ext cx="5407200" cy="3663000"/>
           </a:xfrm>
           <a:prstGeom prst="rect">
             <a:avLst/>
@@ -3045,7 +3089,7 @@
       </p:grpSpPr>
       <p:sp>
         <p:nvSpPr>
-          <p:cNvPr id="48" name="PlaceHolder 1"/>
+          <p:cNvPr id="49" name="PlaceHolder 1"/>
           <p:cNvSpPr>
             <a:spLocks noGrp="1"/>
           </p:cNvSpPr>
@@ -3056,7 +3100,7 @@
         <p:spPr>
           <a:xfrm>
             <a:off x="174960" y="0"/>
-            <a:ext cx="8519760" cy="4338360"/>
+            <a:ext cx="8519400" cy="4338000"/>
           </a:xfrm>
           <a:prstGeom prst="rect">
             <a:avLst/>
@@ -3137,15 +3181,11 @@
             </a:endParaRPr>
           </a:p>
           <a:p>
-            <a:pPr marL="457200" indent="-343080">
+            <a:pPr>
               <a:lnSpc>
                 <a:spcPct val="150000"/>
               </a:lnSpc>
-              <a:buClr>
-                <a:srgbClr val="595959"/>
-              </a:buClr>
-              <a:buFont typeface="Arial"/>
-              <a:buChar char="-"/>
+              <a:buNone/>
               <a:tabLst>
                 <a:tab algn="l" pos="0"/>
               </a:tabLst>
@@ -3172,7 +3212,7 @@
       </p:sp>
       <p:pic>
         <p:nvPicPr>
-          <p:cNvPr id="49" name="Google Shape;80;p 1" descr=""/>
+          <p:cNvPr id="50" name="Google Shape;80;p 1" descr=""/>
           <p:cNvPicPr/>
           <p:nvPr/>
         </p:nvPicPr>
@@ -3183,7 +3223,7 @@
         <p:spPr>
           <a:xfrm>
             <a:off x="6819120" y="4388040"/>
-            <a:ext cx="2324160" cy="754560"/>
+            <a:ext cx="2323800" cy="754200"/>
           </a:xfrm>
           <a:prstGeom prst="rect">
             <a:avLst/>
@@ -3225,7 +3265,7 @@
       </p:grpSpPr>
       <p:sp>
         <p:nvSpPr>
-          <p:cNvPr id="50" name="PlaceHolder 1"/>
+          <p:cNvPr id="51" name="PlaceHolder 1"/>
           <p:cNvSpPr>
             <a:spLocks noGrp="1"/>
           </p:cNvSpPr>
@@ -3236,7 +3276,7 @@
         <p:spPr>
           <a:xfrm>
             <a:off x="228600" y="228600"/>
-            <a:ext cx="8519760" cy="4338360"/>
+            <a:ext cx="8519400" cy="4338000"/>
           </a:xfrm>
           <a:prstGeom prst="rect">
             <a:avLst/>
@@ -3390,7 +3430,7 @@
       </p:sp>
       <p:pic>
         <p:nvPicPr>
-          <p:cNvPr id="51" name="Google Shape;86;p18" descr=""/>
+          <p:cNvPr id="52" name="Google Shape;86;p18" descr=""/>
           <p:cNvPicPr/>
           <p:nvPr/>
         </p:nvPicPr>
@@ -3401,7 +3441,7 @@
         <p:spPr>
           <a:xfrm>
             <a:off x="6819120" y="4388040"/>
-            <a:ext cx="2324160" cy="754560"/>
+            <a:ext cx="2323800" cy="754200"/>
           </a:xfrm>
           <a:prstGeom prst="rect">
             <a:avLst/>
@@ -3443,7 +3483,7 @@
       </p:grpSpPr>
       <p:pic>
         <p:nvPicPr>
-          <p:cNvPr id="52" name="Google Shape;86;p 1" descr=""/>
+          <p:cNvPr id="53" name="Google Shape;86;p 1" descr=""/>
           <p:cNvPicPr/>
           <p:nvPr/>
         </p:nvPicPr>
@@ -3454,7 +3494,7 @@
         <p:spPr>
           <a:xfrm>
             <a:off x="6819120" y="4388040"/>
-            <a:ext cx="2324160" cy="754560"/>
+            <a:ext cx="2323800" cy="754200"/>
           </a:xfrm>
           <a:prstGeom prst="rect">
             <a:avLst/>
@@ -3466,7 +3506,7 @@
       </p:pic>
       <p:pic>
         <p:nvPicPr>
-          <p:cNvPr id="53" name="" descr=""/>
+          <p:cNvPr id="54" name="" descr=""/>
           <p:cNvPicPr/>
           <p:nvPr/>
         </p:nvPicPr>
@@ -3477,7 +3517,7 @@
         <p:spPr>
           <a:xfrm>
             <a:off x="2630520" y="1074960"/>
-            <a:ext cx="3268440" cy="3268440"/>
+            <a:ext cx="3268080" cy="3268080"/>
           </a:xfrm>
           <a:prstGeom prst="rect">
             <a:avLst/>
@@ -3489,28 +3529,40 @@
       </p:pic>
       <p:sp>
         <p:nvSpPr>
-          <p:cNvPr id="54" name=""/>
-          <p:cNvSpPr txBox="1"/>
+          <p:cNvPr id="55" name=""/>
+          <p:cNvSpPr/>
           <p:nvPr/>
         </p:nvSpPr>
         <p:spPr>
           <a:xfrm>
             <a:off x="3657600" y="457200"/>
-            <a:ext cx="3200400" cy="346320"/>
-          </a:xfrm>
-          <a:prstGeom prst="rect">
-            <a:avLst/>
-          </a:prstGeom>
-          <a:noFill/>
-          <a:ln w="0">
-            <a:noFill/>
-          </a:ln>
-        </p:spPr>
+            <a:ext cx="3200040" cy="345960"/>
+          </a:xfrm>
+          <a:prstGeom prst="rect">
+            <a:avLst/>
+          </a:prstGeom>
+          <a:noFill/>
+          <a:ln w="0">
+            <a:noFill/>
+          </a:ln>
+        </p:spPr>
+        <p:style>
+          <a:lnRef idx="0"/>
+          <a:fillRef idx="0"/>
+          <a:effectRef idx="0"/>
+          <a:fontRef idx="minor"/>
+        </p:style>
         <p:txBody>
           <a:bodyPr lIns="90000" rIns="90000" tIns="45000" bIns="45000" anchor="t">
             <a:noAutofit/>
           </a:bodyPr>
           <a:p>
+            <a:pPr>
+              <a:lnSpc>
+                <a:spcPct val="100000"/>
+              </a:lnSpc>
+              <a:buNone/>
+            </a:pPr>
             <a:r>
               <a:rPr b="0" lang="en-US" sz="1800" spc="-1" strike="noStrike">
                 <a:latin typeface="Arial"/>
